--- a/Javascript_정두식.pptx
+++ b/Javascript_정두식.pptx
@@ -14430,6 +14430,245 @@
           </a:prstGeom>
         </p:spPr>
       </p:pic>
+      <p:sp>
+        <p:nvSpPr>
+          <p:cNvPr id="3" name="TextBox 2">
+            <a:extLst>
+              <a:ext uri="{FF2B5EF4-FFF2-40B4-BE49-F238E27FC236}">
+                <a16:creationId xmlns:a16="http://schemas.microsoft.com/office/drawing/2014/main" id="{233D4586-2196-CF0D-503A-D1600B33EB1C}"/>
+              </a:ext>
+            </a:extLst>
+          </p:cNvPr>
+          <p:cNvSpPr txBox="1"/>
+          <p:nvPr/>
+        </p:nvSpPr>
+        <p:spPr>
+          <a:xfrm>
+            <a:off x="451700" y="1710745"/>
+            <a:ext cx="2398252" cy="2553007"/>
+          </a:xfrm>
+          <a:prstGeom prst="rect">
+            <a:avLst/>
+          </a:prstGeom>
+          <a:noFill/>
+        </p:spPr>
+        <p:txBody>
+          <a:bodyPr wrap="square" rtlCol="0">
+            <a:spAutoFit/>
+          </a:bodyPr>
+          <a:lstStyle/>
+          <a:p>
+            <a:pPr>
+              <a:lnSpc>
+                <a:spcPct val="150000"/>
+              </a:lnSpc>
+            </a:pPr>
+            <a:r>
+              <a:rPr lang="en-US" altLang="ko-KR" sz="1200" dirty="0">
+                <a:latin typeface="경기천년제목 Medium" panose="02020603020101020101" pitchFamily="18" charset="-127"/>
+                <a:ea typeface="경기천년제목 Medium" panose="02020603020101020101" pitchFamily="18" charset="-127"/>
+              </a:rPr>
+              <a:t>Start</a:t>
+            </a:r>
+            <a:r>
+              <a:rPr lang="ko-KR" altLang="en-US" sz="1200" dirty="0">
+                <a:latin typeface="경기천년제목 Medium" panose="02020603020101020101" pitchFamily="18" charset="-127"/>
+                <a:ea typeface="경기천년제목 Medium" panose="02020603020101020101" pitchFamily="18" charset="-127"/>
+              </a:rPr>
+              <a:t> </a:t>
+            </a:r>
+            <a:r>
+              <a:rPr lang="en-US" altLang="ko-KR" sz="1200" dirty="0">
+                <a:latin typeface="경기천년제목 Medium" panose="02020603020101020101" pitchFamily="18" charset="-127"/>
+                <a:ea typeface="경기천년제목 Medium" panose="02020603020101020101" pitchFamily="18" charset="-127"/>
+              </a:rPr>
+              <a:t>button </a:t>
+            </a:r>
+            <a:r>
+              <a:rPr lang="ko-KR" altLang="en-US" sz="1200" dirty="0">
+                <a:latin typeface="경기천년제목 Medium" panose="02020603020101020101" pitchFamily="18" charset="-127"/>
+                <a:ea typeface="경기천년제목 Medium" panose="02020603020101020101" pitchFamily="18" charset="-127"/>
+              </a:rPr>
+              <a:t>클릭 </a:t>
+            </a:r>
+            <a:endParaRPr lang="en-US" altLang="ko-KR" sz="1200" dirty="0">
+              <a:latin typeface="경기천년제목 Medium" panose="02020603020101020101" pitchFamily="18" charset="-127"/>
+              <a:ea typeface="경기천년제목 Medium" panose="02020603020101020101" pitchFamily="18" charset="-127"/>
+            </a:endParaRPr>
+          </a:p>
+          <a:p>
+            <a:pPr>
+              <a:lnSpc>
+                <a:spcPct val="150000"/>
+              </a:lnSpc>
+            </a:pPr>
+            <a:r>
+              <a:rPr lang="ko-KR" altLang="en-US" sz="1200" dirty="0">
+                <a:latin typeface="경기천년제목 Medium" panose="02020603020101020101" pitchFamily="18" charset="-127"/>
+                <a:ea typeface="경기천년제목 Medium" panose="02020603020101020101" pitchFamily="18" charset="-127"/>
+              </a:rPr>
+              <a:t>→ </a:t>
+            </a:r>
+            <a:r>
+              <a:rPr lang="en-US" altLang="ko-KR" sz="1200" dirty="0" err="1">
+                <a:latin typeface="경기천년제목 Medium" panose="02020603020101020101" pitchFamily="18" charset="-127"/>
+                <a:ea typeface="경기천년제목 Medium" panose="02020603020101020101" pitchFamily="18" charset="-127"/>
+              </a:rPr>
+              <a:t>Playing_Status</a:t>
+            </a:r>
+            <a:r>
+              <a:rPr lang="en-US" altLang="ko-KR" sz="1200" dirty="0">
+                <a:latin typeface="경기천년제목 Medium" panose="02020603020101020101" pitchFamily="18" charset="-127"/>
+                <a:ea typeface="경기천년제목 Medium" panose="02020603020101020101" pitchFamily="18" charset="-127"/>
+              </a:rPr>
+              <a:t> </a:t>
+            </a:r>
+            <a:r>
+              <a:rPr lang="ko-KR" altLang="en-US" sz="1200" dirty="0">
+                <a:latin typeface="경기천년제목 Medium" panose="02020603020101020101" pitchFamily="18" charset="-127"/>
+                <a:ea typeface="경기천년제목 Medium" panose="02020603020101020101" pitchFamily="18" charset="-127"/>
+              </a:rPr>
+              <a:t>활성</a:t>
+            </a:r>
+            <a:endParaRPr lang="en-US" altLang="ko-KR" sz="1200" dirty="0">
+              <a:latin typeface="경기천년제목 Medium" panose="02020603020101020101" pitchFamily="18" charset="-127"/>
+              <a:ea typeface="경기천년제목 Medium" panose="02020603020101020101" pitchFamily="18" charset="-127"/>
+            </a:endParaRPr>
+          </a:p>
+          <a:p>
+            <a:pPr>
+              <a:lnSpc>
+                <a:spcPct val="150000"/>
+              </a:lnSpc>
+            </a:pPr>
+            <a:r>
+              <a:rPr lang="ko-KR" altLang="en-US" sz="1200" dirty="0">
+                <a:latin typeface="경기천년제목 Medium" panose="02020603020101020101" pitchFamily="18" charset="-127"/>
+                <a:ea typeface="경기천년제목 Medium" panose="02020603020101020101" pitchFamily="18" charset="-127"/>
+              </a:rPr>
+              <a:t>→ 주사위 롤 버튼 조건을 맞춤</a:t>
+            </a:r>
+            <a:endParaRPr lang="en-US" altLang="ko-KR" sz="1200" dirty="0">
+              <a:latin typeface="경기천년제목 Medium" panose="02020603020101020101" pitchFamily="18" charset="-127"/>
+              <a:ea typeface="경기천년제목 Medium" panose="02020603020101020101" pitchFamily="18" charset="-127"/>
+            </a:endParaRPr>
+          </a:p>
+          <a:p>
+            <a:pPr>
+              <a:lnSpc>
+                <a:spcPct val="150000"/>
+              </a:lnSpc>
+            </a:pPr>
+            <a:endParaRPr lang="en-US" altLang="ko-KR" sz="1200" dirty="0">
+              <a:latin typeface="경기천년제목 Medium" panose="02020603020101020101" pitchFamily="18" charset="-127"/>
+              <a:ea typeface="경기천년제목 Medium" panose="02020603020101020101" pitchFamily="18" charset="-127"/>
+            </a:endParaRPr>
+          </a:p>
+          <a:p>
+            <a:pPr>
+              <a:lnSpc>
+                <a:spcPct val="150000"/>
+              </a:lnSpc>
+            </a:pPr>
+            <a:r>
+              <a:rPr lang="en-US" altLang="ko-KR" sz="1200" dirty="0" err="1">
+                <a:latin typeface="경기천년제목 Medium" panose="02020603020101020101" pitchFamily="18" charset="-127"/>
+                <a:ea typeface="경기천년제목 Medium" panose="02020603020101020101" pitchFamily="18" charset="-127"/>
+              </a:rPr>
+              <a:t>Playerturn</a:t>
+            </a:r>
+            <a:r>
+              <a:rPr lang="en-US" altLang="ko-KR" sz="1200" dirty="0">
+                <a:latin typeface="경기천년제목 Medium" panose="02020603020101020101" pitchFamily="18" charset="-127"/>
+                <a:ea typeface="경기천년제목 Medium" panose="02020603020101020101" pitchFamily="18" charset="-127"/>
+              </a:rPr>
+              <a:t>() </a:t>
+            </a:r>
+            <a:r>
+              <a:rPr lang="ko-KR" altLang="en-US" sz="1200" dirty="0">
+                <a:latin typeface="경기천년제목 Medium" panose="02020603020101020101" pitchFamily="18" charset="-127"/>
+                <a:ea typeface="경기천년제목 Medium" panose="02020603020101020101" pitchFamily="18" charset="-127"/>
+              </a:rPr>
+              <a:t>함수와 </a:t>
+            </a:r>
+            <a:endParaRPr lang="en-US" altLang="ko-KR" sz="1200" dirty="0">
+              <a:latin typeface="경기천년제목 Medium" panose="02020603020101020101" pitchFamily="18" charset="-127"/>
+              <a:ea typeface="경기천년제목 Medium" panose="02020603020101020101" pitchFamily="18" charset="-127"/>
+            </a:endParaRPr>
+          </a:p>
+          <a:p>
+            <a:pPr>
+              <a:lnSpc>
+                <a:spcPct val="150000"/>
+              </a:lnSpc>
+            </a:pPr>
+            <a:r>
+              <a:rPr lang="en-US" altLang="ko-KR" sz="1200" dirty="0" err="1">
+                <a:latin typeface="경기천년제목 Medium" panose="02020603020101020101" pitchFamily="18" charset="-127"/>
+                <a:ea typeface="경기천년제목 Medium" panose="02020603020101020101" pitchFamily="18" charset="-127"/>
+              </a:rPr>
+              <a:t>Rolldice</a:t>
+            </a:r>
+            <a:r>
+              <a:rPr lang="en-US" altLang="ko-KR" sz="1200" dirty="0">
+                <a:latin typeface="경기천년제목 Medium" panose="02020603020101020101" pitchFamily="18" charset="-127"/>
+                <a:ea typeface="경기천년제목 Medium" panose="02020603020101020101" pitchFamily="18" charset="-127"/>
+              </a:rPr>
+              <a:t>() </a:t>
+            </a:r>
+            <a:r>
+              <a:rPr lang="ko-KR" altLang="en-US" sz="1200" dirty="0">
+                <a:latin typeface="경기천년제목 Medium" panose="02020603020101020101" pitchFamily="18" charset="-127"/>
+                <a:ea typeface="경기천년제목 Medium" panose="02020603020101020101" pitchFamily="18" charset="-127"/>
+              </a:rPr>
+              <a:t>함수</a:t>
+            </a:r>
+            <a:endParaRPr lang="en-US" altLang="ko-KR" sz="1200" dirty="0">
+              <a:latin typeface="경기천년제목 Medium" panose="02020603020101020101" pitchFamily="18" charset="-127"/>
+              <a:ea typeface="경기천년제목 Medium" panose="02020603020101020101" pitchFamily="18" charset="-127"/>
+            </a:endParaRPr>
+          </a:p>
+          <a:p>
+            <a:pPr>
+              <a:lnSpc>
+                <a:spcPct val="150000"/>
+              </a:lnSpc>
+            </a:pPr>
+            <a:endParaRPr lang="en-US" altLang="ko-KR" sz="1200" dirty="0">
+              <a:latin typeface="경기천년제목 Medium" panose="02020603020101020101" pitchFamily="18" charset="-127"/>
+              <a:ea typeface="경기천년제목 Medium" panose="02020603020101020101" pitchFamily="18" charset="-127"/>
+            </a:endParaRPr>
+          </a:p>
+          <a:p>
+            <a:pPr>
+              <a:lnSpc>
+                <a:spcPct val="150000"/>
+              </a:lnSpc>
+            </a:pPr>
+            <a:r>
+              <a:rPr lang="en-US" altLang="ko-KR" sz="1200" dirty="0" err="1">
+                <a:latin typeface="경기천년제목 Medium" panose="02020603020101020101" pitchFamily="18" charset="-127"/>
+                <a:ea typeface="경기천년제목 Medium" panose="02020603020101020101" pitchFamily="18" charset="-127"/>
+              </a:rPr>
+              <a:t>Playerturn</a:t>
+            </a:r>
+            <a:r>
+              <a:rPr lang="en-US" altLang="ko-KR" sz="1200" dirty="0">
+                <a:latin typeface="경기천년제목 Medium" panose="02020603020101020101" pitchFamily="18" charset="-127"/>
+                <a:ea typeface="경기천년제목 Medium" panose="02020603020101020101" pitchFamily="18" charset="-127"/>
+              </a:rPr>
+              <a:t> </a:t>
+            </a:r>
+            <a:r>
+              <a:rPr lang="ko-KR" altLang="en-US" sz="1200" dirty="0">
+                <a:latin typeface="경기천년제목 Medium" panose="02020603020101020101" pitchFamily="18" charset="-127"/>
+                <a:ea typeface="경기천년제목 Medium" panose="02020603020101020101" pitchFamily="18" charset="-127"/>
+              </a:rPr>
+              <a:t>함수는 원형 리스트 알고리즘을 적용</a:t>
+            </a:r>
+          </a:p>
+        </p:txBody>
+      </p:sp>
     </p:spTree>
     <p:extLst>
       <p:ext uri="{BB962C8B-B14F-4D97-AF65-F5344CB8AC3E}">
@@ -14872,6 +15111,188 @@
           </a:prstGeom>
         </p:spPr>
       </p:pic>
+      <p:sp>
+        <p:nvSpPr>
+          <p:cNvPr id="3" name="TextBox 2">
+            <a:extLst>
+              <a:ext uri="{FF2B5EF4-FFF2-40B4-BE49-F238E27FC236}">
+                <a16:creationId xmlns:a16="http://schemas.microsoft.com/office/drawing/2014/main" id="{F79BC700-F952-0A1F-4C8D-4452E0B56392}"/>
+              </a:ext>
+            </a:extLst>
+          </p:cNvPr>
+          <p:cNvSpPr txBox="1"/>
+          <p:nvPr/>
+        </p:nvSpPr>
+        <p:spPr>
+          <a:xfrm>
+            <a:off x="451700" y="1710745"/>
+            <a:ext cx="2627256" cy="1999009"/>
+          </a:xfrm>
+          <a:prstGeom prst="rect">
+            <a:avLst/>
+          </a:prstGeom>
+          <a:noFill/>
+        </p:spPr>
+        <p:txBody>
+          <a:bodyPr wrap="square" rtlCol="0">
+            <a:spAutoFit/>
+          </a:bodyPr>
+          <a:lstStyle/>
+          <a:p>
+            <a:pPr>
+              <a:lnSpc>
+                <a:spcPct val="150000"/>
+              </a:lnSpc>
+            </a:pPr>
+            <a:r>
+              <a:rPr lang="ko-KR" altLang="en-US" sz="1200" dirty="0" err="1">
+                <a:latin typeface="경기천년제목 Medium" panose="02020603020101020101" pitchFamily="18" charset="-127"/>
+                <a:ea typeface="경기천년제목 Medium" panose="02020603020101020101" pitchFamily="18" charset="-127"/>
+              </a:rPr>
+              <a:t>주사위값</a:t>
+            </a:r>
+            <a:r>
+              <a:rPr lang="ko-KR" altLang="en-US" sz="1200" dirty="0">
+                <a:latin typeface="경기천년제목 Medium" panose="02020603020101020101" pitchFamily="18" charset="-127"/>
+                <a:ea typeface="경기천년제목 Medium" panose="02020603020101020101" pitchFamily="18" charset="-127"/>
+              </a:rPr>
+              <a:t> 저장은 배열을 활용</a:t>
+            </a:r>
+            <a:endParaRPr lang="en-US" altLang="ko-KR" sz="1200" dirty="0">
+              <a:latin typeface="경기천년제목 Medium" panose="02020603020101020101" pitchFamily="18" charset="-127"/>
+              <a:ea typeface="경기천년제목 Medium" panose="02020603020101020101" pitchFamily="18" charset="-127"/>
+            </a:endParaRPr>
+          </a:p>
+          <a:p>
+            <a:pPr>
+              <a:lnSpc>
+                <a:spcPct val="150000"/>
+              </a:lnSpc>
+            </a:pPr>
+            <a:endParaRPr lang="en-US" altLang="ko-KR" sz="1200" dirty="0">
+              <a:latin typeface="경기천년제목 Medium" panose="02020603020101020101" pitchFamily="18" charset="-127"/>
+              <a:ea typeface="경기천년제목 Medium" panose="02020603020101020101" pitchFamily="18" charset="-127"/>
+            </a:endParaRPr>
+          </a:p>
+          <a:p>
+            <a:pPr>
+              <a:lnSpc>
+                <a:spcPct val="150000"/>
+              </a:lnSpc>
+            </a:pPr>
+            <a:r>
+              <a:rPr lang="en-US" altLang="ko-KR" sz="1200" dirty="0" err="1">
+                <a:latin typeface="경기천년제목 Medium" panose="02020603020101020101" pitchFamily="18" charset="-127"/>
+                <a:ea typeface="경기천년제목 Medium" panose="02020603020101020101" pitchFamily="18" charset="-127"/>
+              </a:rPr>
+              <a:t>chk</a:t>
+            </a:r>
+            <a:r>
+              <a:rPr lang="en-US" altLang="ko-KR" sz="1200" dirty="0">
+                <a:latin typeface="경기천년제목 Medium" panose="02020603020101020101" pitchFamily="18" charset="-127"/>
+                <a:ea typeface="경기천년제목 Medium" panose="02020603020101020101" pitchFamily="18" charset="-127"/>
+              </a:rPr>
+              <a:t>[</a:t>
+            </a:r>
+            <a:r>
+              <a:rPr lang="en-US" altLang="ko-KR" sz="1200" dirty="0" err="1">
+                <a:latin typeface="경기천년제목 Medium" panose="02020603020101020101" pitchFamily="18" charset="-127"/>
+                <a:ea typeface="경기천년제목 Medium" panose="02020603020101020101" pitchFamily="18" charset="-127"/>
+              </a:rPr>
+              <a:t>i</a:t>
+            </a:r>
+            <a:r>
+              <a:rPr lang="en-US" altLang="ko-KR" sz="1200" dirty="0">
+                <a:latin typeface="경기천년제목 Medium" panose="02020603020101020101" pitchFamily="18" charset="-127"/>
+                <a:ea typeface="경기천년제목 Medium" panose="02020603020101020101" pitchFamily="18" charset="-127"/>
+              </a:rPr>
+              <a:t>] (</a:t>
+            </a:r>
+            <a:r>
+              <a:rPr lang="ko-KR" altLang="en-US" sz="1200" dirty="0">
+                <a:latin typeface="경기천년제목 Medium" panose="02020603020101020101" pitchFamily="18" charset="-127"/>
+                <a:ea typeface="경기천년제목 Medium" panose="02020603020101020101" pitchFamily="18" charset="-127"/>
+              </a:rPr>
+              <a:t>주사위 홀드 여부</a:t>
+            </a:r>
+            <a:r>
+              <a:rPr lang="en-US" altLang="ko-KR" sz="1200" dirty="0">
+                <a:latin typeface="경기천년제목 Medium" panose="02020603020101020101" pitchFamily="18" charset="-127"/>
+                <a:ea typeface="경기천년제목 Medium" panose="02020603020101020101" pitchFamily="18" charset="-127"/>
+              </a:rPr>
+              <a:t>)</a:t>
+            </a:r>
+            <a:r>
+              <a:rPr lang="ko-KR" altLang="en-US" sz="1200" dirty="0">
+                <a:latin typeface="경기천년제목 Medium" panose="02020603020101020101" pitchFamily="18" charset="-127"/>
+                <a:ea typeface="경기천년제목 Medium" panose="02020603020101020101" pitchFamily="18" charset="-127"/>
+              </a:rPr>
+              <a:t>와 비교하여</a:t>
+            </a:r>
+            <a:endParaRPr lang="en-US" altLang="ko-KR" sz="1200" dirty="0">
+              <a:latin typeface="경기천년제목 Medium" panose="02020603020101020101" pitchFamily="18" charset="-127"/>
+              <a:ea typeface="경기천년제목 Medium" panose="02020603020101020101" pitchFamily="18" charset="-127"/>
+            </a:endParaRPr>
+          </a:p>
+          <a:p>
+            <a:pPr>
+              <a:lnSpc>
+                <a:spcPct val="150000"/>
+              </a:lnSpc>
+            </a:pPr>
+            <a:r>
+              <a:rPr lang="ko-KR" altLang="en-US" sz="1200" dirty="0">
+                <a:latin typeface="경기천년제목 Medium" panose="02020603020101020101" pitchFamily="18" charset="-127"/>
+                <a:ea typeface="경기천년제목 Medium" panose="02020603020101020101" pitchFamily="18" charset="-127"/>
+              </a:rPr>
+              <a:t>각 배열에 랜덤으로 값을 입력</a:t>
+            </a:r>
+            <a:endParaRPr lang="en-US" altLang="ko-KR" sz="1200" dirty="0">
+              <a:latin typeface="경기천년제목 Medium" panose="02020603020101020101" pitchFamily="18" charset="-127"/>
+              <a:ea typeface="경기천년제목 Medium" panose="02020603020101020101" pitchFamily="18" charset="-127"/>
+            </a:endParaRPr>
+          </a:p>
+          <a:p>
+            <a:pPr>
+              <a:lnSpc>
+                <a:spcPct val="150000"/>
+              </a:lnSpc>
+            </a:pPr>
+            <a:endParaRPr lang="en-US" altLang="ko-KR" sz="1200" dirty="0">
+              <a:latin typeface="경기천년제목 Medium" panose="02020603020101020101" pitchFamily="18" charset="-127"/>
+              <a:ea typeface="경기천년제목 Medium" panose="02020603020101020101" pitchFamily="18" charset="-127"/>
+            </a:endParaRPr>
+          </a:p>
+          <a:p>
+            <a:pPr>
+              <a:lnSpc>
+                <a:spcPct val="150000"/>
+              </a:lnSpc>
+            </a:pPr>
+            <a:r>
+              <a:rPr lang="en-US" altLang="ko-KR" sz="1200" dirty="0" err="1">
+                <a:latin typeface="경기천년제목 Medium" panose="02020603020101020101" pitchFamily="18" charset="-127"/>
+                <a:ea typeface="경기천년제목 Medium" panose="02020603020101020101" pitchFamily="18" charset="-127"/>
+              </a:rPr>
+              <a:t>RemainDice</a:t>
+            </a:r>
+            <a:r>
+              <a:rPr lang="en-US" altLang="ko-KR" sz="1200" dirty="0">
+                <a:latin typeface="경기천년제목 Medium" panose="02020603020101020101" pitchFamily="18" charset="-127"/>
+                <a:ea typeface="경기천년제목 Medium" panose="02020603020101020101" pitchFamily="18" charset="-127"/>
+              </a:rPr>
+              <a:t> </a:t>
+            </a:r>
+            <a:r>
+              <a:rPr lang="ko-KR" altLang="en-US" sz="1200" dirty="0">
+                <a:latin typeface="경기천년제목 Medium" panose="02020603020101020101" pitchFamily="18" charset="-127"/>
+                <a:ea typeface="경기천년제목 Medium" panose="02020603020101020101" pitchFamily="18" charset="-127"/>
+              </a:rPr>
+              <a:t>변수를 사용해 남은 주사위 횟수 계산</a:t>
+            </a:r>
+          </a:p>
+        </p:txBody>
+      </p:sp>
     </p:spTree>
     <p:extLst>
       <p:ext uri="{BB962C8B-B14F-4D97-AF65-F5344CB8AC3E}">
@@ -15306,14 +15727,157 @@
         </p:blipFill>
         <p:spPr>
           <a:xfrm>
-            <a:off x="2516018" y="1130624"/>
-            <a:ext cx="6345914" cy="3548531"/>
+            <a:off x="2980362" y="1130625"/>
+            <a:ext cx="5870744" cy="3548531"/>
           </a:xfrm>
           <a:prstGeom prst="rect">
             <a:avLst/>
           </a:prstGeom>
         </p:spPr>
       </p:pic>
+      <p:sp>
+        <p:nvSpPr>
+          <p:cNvPr id="3" name="TextBox 2">
+            <a:extLst>
+              <a:ext uri="{FF2B5EF4-FFF2-40B4-BE49-F238E27FC236}">
+                <a16:creationId xmlns:a16="http://schemas.microsoft.com/office/drawing/2014/main" id="{ABB17766-A628-6184-E319-10EC92335D77}"/>
+              </a:ext>
+            </a:extLst>
+          </p:cNvPr>
+          <p:cNvSpPr txBox="1"/>
+          <p:nvPr/>
+        </p:nvSpPr>
+        <p:spPr>
+          <a:xfrm>
+            <a:off x="451700" y="1710745"/>
+            <a:ext cx="2627256" cy="1999009"/>
+          </a:xfrm>
+          <a:prstGeom prst="rect">
+            <a:avLst/>
+          </a:prstGeom>
+          <a:noFill/>
+        </p:spPr>
+        <p:txBody>
+          <a:bodyPr wrap="square" rtlCol="0">
+            <a:spAutoFit/>
+          </a:bodyPr>
+          <a:lstStyle/>
+          <a:p>
+            <a:pPr>
+              <a:lnSpc>
+                <a:spcPct val="150000"/>
+              </a:lnSpc>
+            </a:pPr>
+            <a:r>
+              <a:rPr lang="ko-KR" altLang="en-US" sz="1200" dirty="0">
+                <a:latin typeface="경기천년제목 Medium" panose="02020603020101020101" pitchFamily="18" charset="-127"/>
+                <a:ea typeface="경기천년제목 Medium" panose="02020603020101020101" pitchFamily="18" charset="-127"/>
+              </a:rPr>
+              <a:t>각 체크박스에 </a:t>
+            </a:r>
+            <a:r>
+              <a:rPr lang="ko-KR" altLang="en-US" sz="1200" dirty="0" err="1">
+                <a:latin typeface="경기천년제목 Medium" panose="02020603020101020101" pitchFamily="18" charset="-127"/>
+                <a:ea typeface="경기천년제목 Medium" panose="02020603020101020101" pitchFamily="18" charset="-127"/>
+              </a:rPr>
+              <a:t>이벤트리스너</a:t>
+            </a:r>
+            <a:r>
+              <a:rPr lang="ko-KR" altLang="en-US" sz="1200" dirty="0">
+                <a:latin typeface="경기천년제목 Medium" panose="02020603020101020101" pitchFamily="18" charset="-127"/>
+                <a:ea typeface="경기천년제목 Medium" panose="02020603020101020101" pitchFamily="18" charset="-127"/>
+              </a:rPr>
+              <a:t> 설정</a:t>
+            </a:r>
+            <a:endParaRPr lang="en-US" altLang="ko-KR" sz="1200" dirty="0">
+              <a:latin typeface="경기천년제목 Medium" panose="02020603020101020101" pitchFamily="18" charset="-127"/>
+              <a:ea typeface="경기천년제목 Medium" panose="02020603020101020101" pitchFamily="18" charset="-127"/>
+            </a:endParaRPr>
+          </a:p>
+          <a:p>
+            <a:pPr>
+              <a:lnSpc>
+                <a:spcPct val="150000"/>
+              </a:lnSpc>
+            </a:pPr>
+            <a:endParaRPr lang="en-US" altLang="ko-KR" sz="1200" dirty="0">
+              <a:latin typeface="경기천년제목 Medium" panose="02020603020101020101" pitchFamily="18" charset="-127"/>
+              <a:ea typeface="경기천년제목 Medium" panose="02020603020101020101" pitchFamily="18" charset="-127"/>
+            </a:endParaRPr>
+          </a:p>
+          <a:p>
+            <a:pPr>
+              <a:lnSpc>
+                <a:spcPct val="150000"/>
+              </a:lnSpc>
+            </a:pPr>
+            <a:r>
+              <a:rPr lang="ko-KR" altLang="en-US" sz="1200" dirty="0">
+                <a:latin typeface="경기천년제목 Medium" panose="02020603020101020101" pitchFamily="18" charset="-127"/>
+                <a:ea typeface="경기천년제목 Medium" panose="02020603020101020101" pitchFamily="18" charset="-127"/>
+              </a:rPr>
+              <a:t>체크박스가 눌렸다면 값을 </a:t>
+            </a:r>
+            <a:r>
+              <a:rPr lang="en-US" altLang="ko-KR" sz="1200" dirty="0">
+                <a:latin typeface="경기천년제목 Medium" panose="02020603020101020101" pitchFamily="18" charset="-127"/>
+                <a:ea typeface="경기천년제목 Medium" panose="02020603020101020101" pitchFamily="18" charset="-127"/>
+              </a:rPr>
+              <a:t>1</a:t>
+            </a:r>
+            <a:r>
+              <a:rPr lang="ko-KR" altLang="en-US" sz="1200" dirty="0">
+                <a:latin typeface="경기천년제목 Medium" panose="02020603020101020101" pitchFamily="18" charset="-127"/>
+                <a:ea typeface="경기천년제목 Medium" panose="02020603020101020101" pitchFamily="18" charset="-127"/>
+              </a:rPr>
+              <a:t>로 하고 테두리 변경</a:t>
+            </a:r>
+            <a:endParaRPr lang="en-US" altLang="ko-KR" sz="1200" dirty="0">
+              <a:latin typeface="경기천년제목 Medium" panose="02020603020101020101" pitchFamily="18" charset="-127"/>
+              <a:ea typeface="경기천년제목 Medium" panose="02020603020101020101" pitchFamily="18" charset="-127"/>
+            </a:endParaRPr>
+          </a:p>
+          <a:p>
+            <a:pPr>
+              <a:lnSpc>
+                <a:spcPct val="150000"/>
+              </a:lnSpc>
+            </a:pPr>
+            <a:endParaRPr lang="en-US" altLang="ko-KR" sz="1200" dirty="0">
+              <a:latin typeface="경기천년제목 Medium" panose="02020603020101020101" pitchFamily="18" charset="-127"/>
+              <a:ea typeface="경기천년제목 Medium" panose="02020603020101020101" pitchFamily="18" charset="-127"/>
+            </a:endParaRPr>
+          </a:p>
+          <a:p>
+            <a:pPr>
+              <a:lnSpc>
+                <a:spcPct val="150000"/>
+              </a:lnSpc>
+            </a:pPr>
+            <a:r>
+              <a:rPr lang="ko-KR" altLang="en-US" sz="1200" dirty="0">
+                <a:latin typeface="경기천년제목 Medium" panose="02020603020101020101" pitchFamily="18" charset="-127"/>
+                <a:ea typeface="경기천년제목 Medium" panose="02020603020101020101" pitchFamily="18" charset="-127"/>
+              </a:rPr>
+              <a:t>해제하면 값을 </a:t>
+            </a:r>
+            <a:r>
+              <a:rPr lang="en-US" altLang="ko-KR" sz="1200" dirty="0">
+                <a:latin typeface="경기천년제목 Medium" panose="02020603020101020101" pitchFamily="18" charset="-127"/>
+                <a:ea typeface="경기천년제목 Medium" panose="02020603020101020101" pitchFamily="18" charset="-127"/>
+              </a:rPr>
+              <a:t>0</a:t>
+            </a:r>
+            <a:r>
+              <a:rPr lang="ko-KR" altLang="en-US" sz="1200" dirty="0">
+                <a:latin typeface="경기천년제목 Medium" panose="02020603020101020101" pitchFamily="18" charset="-127"/>
+                <a:ea typeface="경기천년제목 Medium" panose="02020603020101020101" pitchFamily="18" charset="-127"/>
+              </a:rPr>
+              <a:t>으로 하고 다시 검은색으로 변경</a:t>
+            </a:r>
+          </a:p>
+        </p:txBody>
+      </p:sp>
     </p:spTree>
     <p:extLst>
       <p:ext uri="{BB962C8B-B14F-4D97-AF65-F5344CB8AC3E}">
@@ -15748,7 +16312,7 @@
         </p:blipFill>
         <p:spPr>
           <a:xfrm>
-            <a:off x="2848594" y="525613"/>
+            <a:off x="3178181" y="489894"/>
             <a:ext cx="5345106" cy="4410895"/>
           </a:xfrm>
           <a:prstGeom prst="rect">
@@ -15756,6 +16320,128 @@
           </a:prstGeom>
         </p:spPr>
       </p:pic>
+      <p:sp>
+        <p:nvSpPr>
+          <p:cNvPr id="3" name="TextBox 2">
+            <a:extLst>
+              <a:ext uri="{FF2B5EF4-FFF2-40B4-BE49-F238E27FC236}">
+                <a16:creationId xmlns:a16="http://schemas.microsoft.com/office/drawing/2014/main" id="{52211888-EB3C-82AB-8B4D-C337E82B4979}"/>
+              </a:ext>
+            </a:extLst>
+          </p:cNvPr>
+          <p:cNvSpPr txBox="1"/>
+          <p:nvPr/>
+        </p:nvSpPr>
+        <p:spPr>
+          <a:xfrm>
+            <a:off x="451699" y="1710745"/>
+            <a:ext cx="2841569" cy="1445011"/>
+          </a:xfrm>
+          <a:prstGeom prst="rect">
+            <a:avLst/>
+          </a:prstGeom>
+          <a:noFill/>
+        </p:spPr>
+        <p:txBody>
+          <a:bodyPr wrap="square" rtlCol="0">
+            <a:spAutoFit/>
+          </a:bodyPr>
+          <a:lstStyle/>
+          <a:p>
+            <a:pPr>
+              <a:lnSpc>
+                <a:spcPct val="150000"/>
+              </a:lnSpc>
+            </a:pPr>
+            <a:r>
+              <a:rPr lang="ko-KR" altLang="en-US" sz="1200" dirty="0">
+                <a:latin typeface="경기천년제목 Medium" panose="02020603020101020101" pitchFamily="18" charset="-127"/>
+                <a:ea typeface="경기천년제목 Medium" panose="02020603020101020101" pitchFamily="18" charset="-127"/>
+              </a:rPr>
+              <a:t>변수와 조건문</a:t>
+            </a:r>
+            <a:r>
+              <a:rPr lang="en-US" altLang="ko-KR" sz="1200" dirty="0">
+                <a:latin typeface="경기천년제목 Medium" panose="02020603020101020101" pitchFamily="18" charset="-127"/>
+                <a:ea typeface="경기천년제목 Medium" panose="02020603020101020101" pitchFamily="18" charset="-127"/>
+              </a:rPr>
+              <a:t>, </a:t>
+            </a:r>
+            <a:r>
+              <a:rPr lang="ko-KR" altLang="en-US" sz="1200" dirty="0">
+                <a:latin typeface="경기천년제목 Medium" panose="02020603020101020101" pitchFamily="18" charset="-127"/>
+                <a:ea typeface="경기천년제목 Medium" panose="02020603020101020101" pitchFamily="18" charset="-127"/>
+              </a:rPr>
+              <a:t>논리연산자로</a:t>
+            </a:r>
+            <a:endParaRPr lang="en-US" altLang="ko-KR" sz="1200" dirty="0">
+              <a:latin typeface="경기천년제목 Medium" panose="02020603020101020101" pitchFamily="18" charset="-127"/>
+              <a:ea typeface="경기천년제목 Medium" panose="02020603020101020101" pitchFamily="18" charset="-127"/>
+            </a:endParaRPr>
+          </a:p>
+          <a:p>
+            <a:pPr>
+              <a:lnSpc>
+                <a:spcPct val="150000"/>
+              </a:lnSpc>
+            </a:pPr>
+            <a:r>
+              <a:rPr lang="ko-KR" altLang="en-US" sz="1200" dirty="0">
+                <a:latin typeface="경기천년제목 Medium" panose="02020603020101020101" pitchFamily="18" charset="-127"/>
+                <a:ea typeface="경기천년제목 Medium" panose="02020603020101020101" pitchFamily="18" charset="-127"/>
+              </a:rPr>
+              <a:t>특수한 족보 구현</a:t>
+            </a:r>
+            <a:endParaRPr lang="en-US" altLang="ko-KR" sz="1200" dirty="0">
+              <a:latin typeface="경기천년제목 Medium" panose="02020603020101020101" pitchFamily="18" charset="-127"/>
+              <a:ea typeface="경기천년제목 Medium" panose="02020603020101020101" pitchFamily="18" charset="-127"/>
+            </a:endParaRPr>
+          </a:p>
+          <a:p>
+            <a:pPr>
+              <a:lnSpc>
+                <a:spcPct val="150000"/>
+              </a:lnSpc>
+            </a:pPr>
+            <a:endParaRPr lang="en-US" altLang="ko-KR" sz="1200" dirty="0">
+              <a:latin typeface="경기천년제목 Medium" panose="02020603020101020101" pitchFamily="18" charset="-127"/>
+              <a:ea typeface="경기천년제목 Medium" panose="02020603020101020101" pitchFamily="18" charset="-127"/>
+            </a:endParaRPr>
+          </a:p>
+          <a:p>
+            <a:pPr>
+              <a:lnSpc>
+                <a:spcPct val="150000"/>
+              </a:lnSpc>
+            </a:pPr>
+            <a:r>
+              <a:rPr lang="ko-KR" altLang="en-US" sz="1200" dirty="0">
+                <a:latin typeface="경기천년제목 Medium" panose="02020603020101020101" pitchFamily="18" charset="-127"/>
+                <a:ea typeface="경기천년제목 Medium" panose="02020603020101020101" pitchFamily="18" charset="-127"/>
+              </a:rPr>
+              <a:t>조건이 만족하면 해당 변수가 </a:t>
+            </a:r>
+            <a:r>
+              <a:rPr lang="en-US" altLang="ko-KR" sz="1200" dirty="0">
+                <a:latin typeface="경기천년제목 Medium" panose="02020603020101020101" pitchFamily="18" charset="-127"/>
+                <a:ea typeface="경기천년제목 Medium" panose="02020603020101020101" pitchFamily="18" charset="-127"/>
+              </a:rPr>
+              <a:t>true</a:t>
+            </a:r>
+            <a:r>
+              <a:rPr lang="ko-KR" altLang="en-US" sz="1200" dirty="0">
+                <a:latin typeface="경기천년제목 Medium" panose="02020603020101020101" pitchFamily="18" charset="-127"/>
+                <a:ea typeface="경기천년제목 Medium" panose="02020603020101020101" pitchFamily="18" charset="-127"/>
+              </a:rPr>
+              <a:t>로 변경되어 해당 칸에 값을 입력가능</a:t>
+            </a:r>
+            <a:endParaRPr lang="en-US" altLang="ko-KR" sz="1200" dirty="0">
+              <a:latin typeface="경기천년제목 Medium" panose="02020603020101020101" pitchFamily="18" charset="-127"/>
+              <a:ea typeface="경기천년제목 Medium" panose="02020603020101020101" pitchFamily="18" charset="-127"/>
+            </a:endParaRPr>
+          </a:p>
+        </p:txBody>
+      </p:sp>
     </p:spTree>
     <p:extLst>
       <p:ext uri="{BB962C8B-B14F-4D97-AF65-F5344CB8AC3E}">
@@ -16190,7 +16876,7 @@
         </p:blipFill>
         <p:spPr>
           <a:xfrm>
-            <a:off x="2806666" y="1130625"/>
+            <a:off x="3212120" y="1130625"/>
             <a:ext cx="5394360" cy="3655795"/>
           </a:xfrm>
           <a:prstGeom prst="rect">
@@ -16198,6 +16884,185 @@
           </a:prstGeom>
         </p:spPr>
       </p:pic>
+      <p:sp>
+        <p:nvSpPr>
+          <p:cNvPr id="4" name="TextBox 3">
+            <a:extLst>
+              <a:ext uri="{FF2B5EF4-FFF2-40B4-BE49-F238E27FC236}">
+                <a16:creationId xmlns:a16="http://schemas.microsoft.com/office/drawing/2014/main" id="{3DF14001-1815-5492-3E80-D82E206B6ADF}"/>
+              </a:ext>
+            </a:extLst>
+          </p:cNvPr>
+          <p:cNvSpPr txBox="1"/>
+          <p:nvPr/>
+        </p:nvSpPr>
+        <p:spPr>
+          <a:xfrm>
+            <a:off x="451699" y="1710745"/>
+            <a:ext cx="2841569" cy="1999009"/>
+          </a:xfrm>
+          <a:prstGeom prst="rect">
+            <a:avLst/>
+          </a:prstGeom>
+          <a:noFill/>
+        </p:spPr>
+        <p:txBody>
+          <a:bodyPr wrap="square" rtlCol="0">
+            <a:spAutoFit/>
+          </a:bodyPr>
+          <a:lstStyle/>
+          <a:p>
+            <a:pPr>
+              <a:lnSpc>
+                <a:spcPct val="150000"/>
+              </a:lnSpc>
+            </a:pPr>
+            <a:r>
+              <a:rPr lang="ko-KR" altLang="en-US" sz="1200" dirty="0">
+                <a:latin typeface="경기천년제목 Medium" panose="02020603020101020101" pitchFamily="18" charset="-127"/>
+                <a:ea typeface="경기천년제목 Medium" panose="02020603020101020101" pitchFamily="18" charset="-127"/>
+              </a:rPr>
+              <a:t>각 버튼마다 </a:t>
+            </a:r>
+            <a:r>
+              <a:rPr lang="ko-KR" altLang="en-US" sz="1200" dirty="0" err="1">
+                <a:latin typeface="경기천년제목 Medium" panose="02020603020101020101" pitchFamily="18" charset="-127"/>
+                <a:ea typeface="경기천년제목 Medium" panose="02020603020101020101" pitchFamily="18" charset="-127"/>
+              </a:rPr>
+              <a:t>이벤트리스너</a:t>
+            </a:r>
+            <a:r>
+              <a:rPr lang="ko-KR" altLang="en-US" sz="1200" dirty="0">
+                <a:latin typeface="경기천년제목 Medium" panose="02020603020101020101" pitchFamily="18" charset="-127"/>
+                <a:ea typeface="경기천년제목 Medium" panose="02020603020101020101" pitchFamily="18" charset="-127"/>
+              </a:rPr>
+              <a:t> 사용</a:t>
+            </a:r>
+            <a:endParaRPr lang="en-US" altLang="ko-KR" sz="1200" dirty="0">
+              <a:latin typeface="경기천년제목 Medium" panose="02020603020101020101" pitchFamily="18" charset="-127"/>
+              <a:ea typeface="경기천년제목 Medium" panose="02020603020101020101" pitchFamily="18" charset="-127"/>
+            </a:endParaRPr>
+          </a:p>
+          <a:p>
+            <a:pPr>
+              <a:lnSpc>
+                <a:spcPct val="150000"/>
+              </a:lnSpc>
+            </a:pPr>
+            <a:endParaRPr lang="en-US" altLang="ko-KR" sz="1200" dirty="0">
+              <a:latin typeface="경기천년제목 Medium" panose="02020603020101020101" pitchFamily="18" charset="-127"/>
+              <a:ea typeface="경기천년제목 Medium" panose="02020603020101020101" pitchFamily="18" charset="-127"/>
+            </a:endParaRPr>
+          </a:p>
+          <a:p>
+            <a:pPr>
+              <a:lnSpc>
+                <a:spcPct val="150000"/>
+              </a:lnSpc>
+            </a:pPr>
+            <a:r>
+              <a:rPr lang="ko-KR" altLang="en-US" sz="1200" dirty="0">
+                <a:latin typeface="경기천년제목 Medium" panose="02020603020101020101" pitchFamily="18" charset="-127"/>
+                <a:ea typeface="경기천년제목 Medium" panose="02020603020101020101" pitchFamily="18" charset="-127"/>
+              </a:rPr>
+              <a:t>각 점수마다 점수를 넣는 방식은 조금씩 다름</a:t>
+            </a:r>
+            <a:endParaRPr lang="en-US" altLang="ko-KR" sz="1200" dirty="0">
+              <a:latin typeface="경기천년제목 Medium" panose="02020603020101020101" pitchFamily="18" charset="-127"/>
+              <a:ea typeface="경기천년제목 Medium" panose="02020603020101020101" pitchFamily="18" charset="-127"/>
+            </a:endParaRPr>
+          </a:p>
+          <a:p>
+            <a:pPr>
+              <a:lnSpc>
+                <a:spcPct val="150000"/>
+              </a:lnSpc>
+            </a:pPr>
+            <a:r>
+              <a:rPr lang="en-US" altLang="ko-KR" sz="1200" dirty="0">
+                <a:latin typeface="경기천년제목 Medium" panose="02020603020101020101" pitchFamily="18" charset="-127"/>
+                <a:ea typeface="경기천년제목 Medium" panose="02020603020101020101" pitchFamily="18" charset="-127"/>
+              </a:rPr>
+              <a:t>(</a:t>
+            </a:r>
+            <a:r>
+              <a:rPr lang="ko-KR" altLang="en-US" sz="1200" dirty="0">
+                <a:latin typeface="경기천년제목 Medium" panose="02020603020101020101" pitchFamily="18" charset="-127"/>
+                <a:ea typeface="경기천년제목 Medium" panose="02020603020101020101" pitchFamily="18" charset="-127"/>
+              </a:rPr>
+              <a:t>옆의 코드는 </a:t>
+            </a:r>
+            <a:r>
+              <a:rPr lang="en-US" altLang="ko-KR" sz="1200" dirty="0">
+                <a:latin typeface="경기천년제목 Medium" panose="02020603020101020101" pitchFamily="18" charset="-127"/>
+                <a:ea typeface="경기천년제목 Medium" panose="02020603020101020101" pitchFamily="18" charset="-127"/>
+              </a:rPr>
+              <a:t>Ace </a:t>
+            </a:r>
+            <a:r>
+              <a:rPr lang="ko-KR" altLang="en-US" sz="1200" dirty="0">
+                <a:latin typeface="경기천년제목 Medium" panose="02020603020101020101" pitchFamily="18" charset="-127"/>
+                <a:ea typeface="경기천년제목 Medium" panose="02020603020101020101" pitchFamily="18" charset="-127"/>
+              </a:rPr>
+              <a:t>칸 계산</a:t>
+            </a:r>
+            <a:r>
+              <a:rPr lang="en-US" altLang="ko-KR" sz="1200" dirty="0">
+                <a:latin typeface="경기천년제목 Medium" panose="02020603020101020101" pitchFamily="18" charset="-127"/>
+                <a:ea typeface="경기천년제목 Medium" panose="02020603020101020101" pitchFamily="18" charset="-127"/>
+              </a:rPr>
+              <a:t>)</a:t>
+            </a:r>
+          </a:p>
+          <a:p>
+            <a:pPr>
+              <a:lnSpc>
+                <a:spcPct val="150000"/>
+              </a:lnSpc>
+            </a:pPr>
+            <a:endParaRPr lang="en-US" altLang="ko-KR" sz="1200" dirty="0">
+              <a:latin typeface="경기천년제목 Medium" panose="02020603020101020101" pitchFamily="18" charset="-127"/>
+              <a:ea typeface="경기천년제목 Medium" panose="02020603020101020101" pitchFamily="18" charset="-127"/>
+            </a:endParaRPr>
+          </a:p>
+          <a:p>
+            <a:pPr>
+              <a:lnSpc>
+                <a:spcPct val="150000"/>
+              </a:lnSpc>
+            </a:pPr>
+            <a:r>
+              <a:rPr lang="ko-KR" altLang="en-US" sz="1200" dirty="0">
+                <a:latin typeface="경기천년제목 Medium" panose="02020603020101020101" pitchFamily="18" charset="-127"/>
+                <a:ea typeface="경기천년제목 Medium" panose="02020603020101020101" pitchFamily="18" charset="-127"/>
+              </a:rPr>
+              <a:t>점수 입력과 동시에 보너스점수 조건체크와</a:t>
+            </a:r>
+            <a:endParaRPr lang="en-US" altLang="ko-KR" sz="1200" dirty="0">
+              <a:latin typeface="경기천년제목 Medium" panose="02020603020101020101" pitchFamily="18" charset="-127"/>
+              <a:ea typeface="경기천년제목 Medium" panose="02020603020101020101" pitchFamily="18" charset="-127"/>
+            </a:endParaRPr>
+          </a:p>
+          <a:p>
+            <a:pPr>
+              <a:lnSpc>
+                <a:spcPct val="150000"/>
+              </a:lnSpc>
+            </a:pPr>
+            <a:r>
+              <a:rPr lang="ko-KR" altLang="en-US" sz="1200" dirty="0">
+                <a:latin typeface="경기천년제목 Medium" panose="02020603020101020101" pitchFamily="18" charset="-127"/>
+                <a:ea typeface="경기천년제목 Medium" panose="02020603020101020101" pitchFamily="18" charset="-127"/>
+              </a:rPr>
+              <a:t>초기화함수 호출 </a:t>
+            </a:r>
+            <a:endParaRPr lang="en-US" altLang="ko-KR" sz="1200" dirty="0">
+              <a:latin typeface="경기천년제목 Medium" panose="02020603020101020101" pitchFamily="18" charset="-127"/>
+              <a:ea typeface="경기천년제목 Medium" panose="02020603020101020101" pitchFamily="18" charset="-127"/>
+            </a:endParaRPr>
+          </a:p>
+        </p:txBody>
+      </p:sp>
     </p:spTree>
     <p:extLst>
       <p:ext uri="{BB962C8B-B14F-4D97-AF65-F5344CB8AC3E}">
@@ -16640,6 +17505,111 @@
           </a:prstGeom>
         </p:spPr>
       </p:pic>
+      <p:sp>
+        <p:nvSpPr>
+          <p:cNvPr id="3" name="TextBox 2">
+            <a:extLst>
+              <a:ext uri="{FF2B5EF4-FFF2-40B4-BE49-F238E27FC236}">
+                <a16:creationId xmlns:a16="http://schemas.microsoft.com/office/drawing/2014/main" id="{14B5534C-B94C-87E5-A2E8-6D13619B6636}"/>
+              </a:ext>
+            </a:extLst>
+          </p:cNvPr>
+          <p:cNvSpPr txBox="1"/>
+          <p:nvPr/>
+        </p:nvSpPr>
+        <p:spPr>
+          <a:xfrm>
+            <a:off x="451699" y="1710745"/>
+            <a:ext cx="2841569" cy="1445011"/>
+          </a:xfrm>
+          <a:prstGeom prst="rect">
+            <a:avLst/>
+          </a:prstGeom>
+          <a:noFill/>
+        </p:spPr>
+        <p:txBody>
+          <a:bodyPr wrap="square" rtlCol="0">
+            <a:spAutoFit/>
+          </a:bodyPr>
+          <a:lstStyle/>
+          <a:p>
+            <a:pPr>
+              <a:lnSpc>
+                <a:spcPct val="150000"/>
+              </a:lnSpc>
+            </a:pPr>
+            <a:r>
+              <a:rPr lang="ko-KR" altLang="en-US" sz="1200" dirty="0">
+                <a:latin typeface="경기천년제목 Medium" panose="02020603020101020101" pitchFamily="18" charset="-127"/>
+                <a:ea typeface="경기천년제목 Medium" panose="02020603020101020101" pitchFamily="18" charset="-127"/>
+              </a:rPr>
+              <a:t>점수 계산을 할 때마다 총점에 기록</a:t>
+            </a:r>
+            <a:endParaRPr lang="en-US" altLang="ko-KR" sz="1200" dirty="0">
+              <a:latin typeface="경기천년제목 Medium" panose="02020603020101020101" pitchFamily="18" charset="-127"/>
+              <a:ea typeface="경기천년제목 Medium" panose="02020603020101020101" pitchFamily="18" charset="-127"/>
+            </a:endParaRPr>
+          </a:p>
+          <a:p>
+            <a:pPr>
+              <a:lnSpc>
+                <a:spcPct val="150000"/>
+              </a:lnSpc>
+            </a:pPr>
+            <a:endParaRPr lang="en-US" altLang="ko-KR" sz="1200" dirty="0">
+              <a:latin typeface="경기천년제목 Medium" panose="02020603020101020101" pitchFamily="18" charset="-127"/>
+              <a:ea typeface="경기천년제목 Medium" panose="02020603020101020101" pitchFamily="18" charset="-127"/>
+            </a:endParaRPr>
+          </a:p>
+          <a:p>
+            <a:pPr>
+              <a:lnSpc>
+                <a:spcPct val="150000"/>
+              </a:lnSpc>
+            </a:pPr>
+            <a:r>
+              <a:rPr lang="ko-KR" altLang="en-US" sz="1200" dirty="0">
+                <a:latin typeface="경기천년제목 Medium" panose="02020603020101020101" pitchFamily="18" charset="-127"/>
+                <a:ea typeface="경기천년제목 Medium" panose="02020603020101020101" pitchFamily="18" charset="-127"/>
+              </a:rPr>
+              <a:t>남은 주사위 횟수와 체크박스 값 초기화</a:t>
+            </a:r>
+            <a:endParaRPr lang="en-US" altLang="ko-KR" sz="1200" dirty="0">
+              <a:latin typeface="경기천년제목 Medium" panose="02020603020101020101" pitchFamily="18" charset="-127"/>
+              <a:ea typeface="경기천년제목 Medium" panose="02020603020101020101" pitchFamily="18" charset="-127"/>
+            </a:endParaRPr>
+          </a:p>
+          <a:p>
+            <a:pPr>
+              <a:lnSpc>
+                <a:spcPct val="150000"/>
+              </a:lnSpc>
+            </a:pPr>
+            <a:endParaRPr lang="en-US" altLang="ko-KR" sz="1200" dirty="0">
+              <a:latin typeface="경기천년제목 Medium" panose="02020603020101020101" pitchFamily="18" charset="-127"/>
+              <a:ea typeface="경기천년제목 Medium" panose="02020603020101020101" pitchFamily="18" charset="-127"/>
+            </a:endParaRPr>
+          </a:p>
+          <a:p>
+            <a:pPr>
+              <a:lnSpc>
+                <a:spcPct val="150000"/>
+              </a:lnSpc>
+            </a:pPr>
+            <a:r>
+              <a:rPr lang="ko-KR" altLang="en-US" sz="1200" dirty="0">
+                <a:latin typeface="경기천년제목 Medium" panose="02020603020101020101" pitchFamily="18" charset="-127"/>
+                <a:ea typeface="경기천년제목 Medium" panose="02020603020101020101" pitchFamily="18" charset="-127"/>
+              </a:rPr>
+              <a:t>보너스 점수 계산은 이 때 이루어짐</a:t>
+            </a:r>
+            <a:endParaRPr lang="en-US" altLang="ko-KR" sz="1200" dirty="0">
+              <a:latin typeface="경기천년제목 Medium" panose="02020603020101020101" pitchFamily="18" charset="-127"/>
+              <a:ea typeface="경기천년제목 Medium" panose="02020603020101020101" pitchFamily="18" charset="-127"/>
+            </a:endParaRPr>
+          </a:p>
+        </p:txBody>
+      </p:sp>
     </p:spTree>
     <p:extLst>
       <p:ext uri="{BB962C8B-B14F-4D97-AF65-F5344CB8AC3E}">
@@ -17074,14 +18044,156 @@
         </p:blipFill>
         <p:spPr>
           <a:xfrm>
-            <a:off x="2424112" y="1066800"/>
-            <a:ext cx="6559387" cy="3569494"/>
+            <a:off x="3200286" y="1130625"/>
+            <a:ext cx="5732353" cy="3119438"/>
           </a:xfrm>
           <a:prstGeom prst="rect">
             <a:avLst/>
           </a:prstGeom>
         </p:spPr>
       </p:pic>
+      <p:sp>
+        <p:nvSpPr>
+          <p:cNvPr id="3" name="TextBox 2">
+            <a:extLst>
+              <a:ext uri="{FF2B5EF4-FFF2-40B4-BE49-F238E27FC236}">
+                <a16:creationId xmlns:a16="http://schemas.microsoft.com/office/drawing/2014/main" id="{6AB7FCCC-8471-6BA6-257E-C08FF123DFCD}"/>
+              </a:ext>
+            </a:extLst>
+          </p:cNvPr>
+          <p:cNvSpPr txBox="1"/>
+          <p:nvPr/>
+        </p:nvSpPr>
+        <p:spPr>
+          <a:xfrm>
+            <a:off x="451699" y="1710745"/>
+            <a:ext cx="2841569" cy="1445011"/>
+          </a:xfrm>
+          <a:prstGeom prst="rect">
+            <a:avLst/>
+          </a:prstGeom>
+          <a:noFill/>
+        </p:spPr>
+        <p:txBody>
+          <a:bodyPr wrap="square" rtlCol="0">
+            <a:spAutoFit/>
+          </a:bodyPr>
+          <a:lstStyle/>
+          <a:p>
+            <a:pPr>
+              <a:lnSpc>
+                <a:spcPct val="150000"/>
+              </a:lnSpc>
+            </a:pPr>
+            <a:r>
+              <a:rPr lang="en-US" altLang="ko-KR" sz="1200" dirty="0">
+                <a:latin typeface="경기천년제목 Medium" panose="02020603020101020101" pitchFamily="18" charset="-127"/>
+                <a:ea typeface="경기천년제목 Medium" panose="02020603020101020101" pitchFamily="18" charset="-127"/>
+              </a:rPr>
+              <a:t>1 ~ 6 </a:t>
+            </a:r>
+            <a:r>
+              <a:rPr lang="ko-KR" altLang="en-US" sz="1200" dirty="0">
+                <a:latin typeface="경기천년제목 Medium" panose="02020603020101020101" pitchFamily="18" charset="-127"/>
+                <a:ea typeface="경기천년제목 Medium" panose="02020603020101020101" pitchFamily="18" charset="-127"/>
+              </a:rPr>
+              <a:t>의 족보를 계산할 때 카운트와 각 값의 총점을 기록</a:t>
+            </a:r>
+            <a:endParaRPr lang="en-US" altLang="ko-KR" sz="1200" dirty="0">
+              <a:latin typeface="경기천년제목 Medium" panose="02020603020101020101" pitchFamily="18" charset="-127"/>
+              <a:ea typeface="경기천년제목 Medium" panose="02020603020101020101" pitchFamily="18" charset="-127"/>
+            </a:endParaRPr>
+          </a:p>
+          <a:p>
+            <a:pPr>
+              <a:lnSpc>
+                <a:spcPct val="150000"/>
+              </a:lnSpc>
+            </a:pPr>
+            <a:endParaRPr lang="en-US" altLang="ko-KR" sz="1200" dirty="0">
+              <a:latin typeface="경기천년제목 Medium" panose="02020603020101020101" pitchFamily="18" charset="-127"/>
+              <a:ea typeface="경기천년제목 Medium" panose="02020603020101020101" pitchFamily="18" charset="-127"/>
+            </a:endParaRPr>
+          </a:p>
+          <a:p>
+            <a:pPr>
+              <a:lnSpc>
+                <a:spcPct val="150000"/>
+              </a:lnSpc>
+            </a:pPr>
+            <a:r>
+              <a:rPr lang="ko-KR" altLang="en-US" sz="1200" dirty="0">
+                <a:latin typeface="경기천년제목 Medium" panose="02020603020101020101" pitchFamily="18" charset="-127"/>
+                <a:ea typeface="경기천년제목 Medium" panose="02020603020101020101" pitchFamily="18" charset="-127"/>
+              </a:rPr>
+              <a:t>조건을 만족한다면 </a:t>
+            </a:r>
+            <a:r>
+              <a:rPr lang="en-US" altLang="ko-KR" sz="1200" dirty="0">
+                <a:latin typeface="경기천년제목 Medium" panose="02020603020101020101" pitchFamily="18" charset="-127"/>
+                <a:ea typeface="경기천년제목 Medium" panose="02020603020101020101" pitchFamily="18" charset="-127"/>
+              </a:rPr>
+              <a:t>35</a:t>
+            </a:r>
+            <a:r>
+              <a:rPr lang="ko-KR" altLang="en-US" sz="1200" dirty="0">
+                <a:latin typeface="경기천년제목 Medium" panose="02020603020101020101" pitchFamily="18" charset="-127"/>
+                <a:ea typeface="경기천년제목 Medium" panose="02020603020101020101" pitchFamily="18" charset="-127"/>
+              </a:rPr>
+              <a:t>점이 추가되고 </a:t>
+            </a:r>
+            <a:r>
+              <a:rPr lang="en-US" altLang="ko-KR" sz="1200" dirty="0" err="1">
+                <a:latin typeface="경기천년제목 Medium" panose="02020603020101020101" pitchFamily="18" charset="-127"/>
+                <a:ea typeface="경기천년제목 Medium" panose="02020603020101020101" pitchFamily="18" charset="-127"/>
+              </a:rPr>
+              <a:t>Chksub</a:t>
+            </a:r>
+            <a:r>
+              <a:rPr lang="ko-KR" altLang="en-US" sz="1200" dirty="0">
+                <a:latin typeface="경기천년제목 Medium" panose="02020603020101020101" pitchFamily="18" charset="-127"/>
+                <a:ea typeface="경기천년제목 Medium" panose="02020603020101020101" pitchFamily="18" charset="-127"/>
+              </a:rPr>
+              <a:t>을 </a:t>
+            </a:r>
+            <a:r>
+              <a:rPr lang="en-US" altLang="ko-KR" sz="1200" dirty="0">
+                <a:latin typeface="경기천년제목 Medium" panose="02020603020101020101" pitchFamily="18" charset="-127"/>
+                <a:ea typeface="경기천년제목 Medium" panose="02020603020101020101" pitchFamily="18" charset="-127"/>
+              </a:rPr>
+              <a:t>false</a:t>
+            </a:r>
+            <a:r>
+              <a:rPr lang="ko-KR" altLang="en-US" sz="1200" dirty="0">
+                <a:latin typeface="경기천년제목 Medium" panose="02020603020101020101" pitchFamily="18" charset="-127"/>
+                <a:ea typeface="경기천년제목 Medium" panose="02020603020101020101" pitchFamily="18" charset="-127"/>
+              </a:rPr>
+              <a:t>로 설정 </a:t>
+            </a:r>
+            <a:r>
+              <a:rPr lang="en-US" altLang="ko-KR" sz="1200" dirty="0">
+                <a:latin typeface="경기천년제목 Medium" panose="02020603020101020101" pitchFamily="18" charset="-127"/>
+                <a:ea typeface="경기천년제목 Medium" panose="02020603020101020101" pitchFamily="18" charset="-127"/>
+              </a:rPr>
+              <a:t>(</a:t>
+            </a:r>
+            <a:r>
+              <a:rPr lang="ko-KR" altLang="en-US" sz="1200" dirty="0">
+                <a:latin typeface="경기천년제목 Medium" panose="02020603020101020101" pitchFamily="18" charset="-127"/>
+                <a:ea typeface="경기천년제목 Medium" panose="02020603020101020101" pitchFamily="18" charset="-127"/>
+              </a:rPr>
+              <a:t>중복계산 방지</a:t>
+            </a:r>
+            <a:r>
+              <a:rPr lang="en-US" altLang="ko-KR" sz="1200" dirty="0">
+                <a:latin typeface="경기천년제목 Medium" panose="02020603020101020101" pitchFamily="18" charset="-127"/>
+                <a:ea typeface="경기천년제목 Medium" panose="02020603020101020101" pitchFamily="18" charset="-127"/>
+              </a:rPr>
+              <a:t>)</a:t>
+            </a:r>
+          </a:p>
+        </p:txBody>
+      </p:sp>
     </p:spTree>
     <p:extLst>
       <p:ext uri="{BB962C8B-B14F-4D97-AF65-F5344CB8AC3E}">
@@ -17524,6 +18636,103 @@
           </a:prstGeom>
         </p:spPr>
       </p:pic>
+      <p:sp>
+        <p:nvSpPr>
+          <p:cNvPr id="3" name="TextBox 2">
+            <a:extLst>
+              <a:ext uri="{FF2B5EF4-FFF2-40B4-BE49-F238E27FC236}">
+                <a16:creationId xmlns:a16="http://schemas.microsoft.com/office/drawing/2014/main" id="{F68488DA-E5AB-AFA1-7395-EE6C0481FAF5}"/>
+              </a:ext>
+            </a:extLst>
+          </p:cNvPr>
+          <p:cNvSpPr txBox="1"/>
+          <p:nvPr/>
+        </p:nvSpPr>
+        <p:spPr>
+          <a:xfrm>
+            <a:off x="451699" y="1710745"/>
+            <a:ext cx="2841569" cy="1168012"/>
+          </a:xfrm>
+          <a:prstGeom prst="rect">
+            <a:avLst/>
+          </a:prstGeom>
+          <a:noFill/>
+        </p:spPr>
+        <p:txBody>
+          <a:bodyPr wrap="square" rtlCol="0">
+            <a:spAutoFit/>
+          </a:bodyPr>
+          <a:lstStyle/>
+          <a:p>
+            <a:pPr>
+              <a:lnSpc>
+                <a:spcPct val="150000"/>
+              </a:lnSpc>
+            </a:pPr>
+            <a:r>
+              <a:rPr lang="en-US" altLang="ko-KR" sz="1200" dirty="0">
+                <a:latin typeface="경기천년제목 Medium" panose="02020603020101020101" pitchFamily="18" charset="-127"/>
+                <a:ea typeface="경기천년제목 Medium" panose="02020603020101020101" pitchFamily="18" charset="-127"/>
+              </a:rPr>
+              <a:t>48</a:t>
+            </a:r>
+            <a:r>
+              <a:rPr lang="ko-KR" altLang="en-US" sz="1200" dirty="0">
+                <a:latin typeface="경기천년제목 Medium" panose="02020603020101020101" pitchFamily="18" charset="-127"/>
+                <a:ea typeface="경기천년제목 Medium" panose="02020603020101020101" pitchFamily="18" charset="-127"/>
+              </a:rPr>
+              <a:t>칸을 전부 채우면 </a:t>
+            </a:r>
+            <a:r>
+              <a:rPr lang="ko-KR" altLang="en-US" sz="1200" dirty="0" err="1">
+                <a:latin typeface="경기천년제목 Medium" panose="02020603020101020101" pitchFamily="18" charset="-127"/>
+                <a:ea typeface="경기천년제목 Medium" panose="02020603020101020101" pitchFamily="18" charset="-127"/>
+              </a:rPr>
+              <a:t>삼항연산자로</a:t>
+            </a:r>
+            <a:r>
+              <a:rPr lang="ko-KR" altLang="en-US" sz="1200" dirty="0">
+                <a:latin typeface="경기천년제목 Medium" panose="02020603020101020101" pitchFamily="18" charset="-127"/>
+                <a:ea typeface="경기천년제목 Medium" panose="02020603020101020101" pitchFamily="18" charset="-127"/>
+              </a:rPr>
+              <a:t> 플레이어 중 가장 높은 값을 체크</a:t>
+            </a:r>
+            <a:endParaRPr lang="en-US" altLang="ko-KR" sz="1200" dirty="0">
+              <a:latin typeface="경기천년제목 Medium" panose="02020603020101020101" pitchFamily="18" charset="-127"/>
+              <a:ea typeface="경기천년제목 Medium" panose="02020603020101020101" pitchFamily="18" charset="-127"/>
+            </a:endParaRPr>
+          </a:p>
+          <a:p>
+            <a:pPr>
+              <a:lnSpc>
+                <a:spcPct val="150000"/>
+              </a:lnSpc>
+            </a:pPr>
+            <a:endParaRPr lang="en-US" altLang="ko-KR" sz="1200" dirty="0">
+              <a:latin typeface="경기천년제목 Medium" panose="02020603020101020101" pitchFamily="18" charset="-127"/>
+              <a:ea typeface="경기천년제목 Medium" panose="02020603020101020101" pitchFamily="18" charset="-127"/>
+            </a:endParaRPr>
+          </a:p>
+          <a:p>
+            <a:pPr>
+              <a:lnSpc>
+                <a:spcPct val="150000"/>
+              </a:lnSpc>
+            </a:pPr>
+            <a:r>
+              <a:rPr lang="ko-KR" altLang="en-US" sz="1200" dirty="0">
+                <a:latin typeface="경기천년제목 Medium" panose="02020603020101020101" pitchFamily="18" charset="-127"/>
+                <a:ea typeface="경기천년제목 Medium" panose="02020603020101020101" pitchFamily="18" charset="-127"/>
+              </a:rPr>
+              <a:t>가장 높은 값을 가진 플레이어의 승리</a:t>
+            </a:r>
+            <a:endParaRPr lang="en-US" altLang="ko-KR" sz="1200" dirty="0">
+              <a:latin typeface="경기천년제목 Medium" panose="02020603020101020101" pitchFamily="18" charset="-127"/>
+              <a:ea typeface="경기천년제목 Medium" panose="02020603020101020101" pitchFamily="18" charset="-127"/>
+            </a:endParaRPr>
+          </a:p>
+        </p:txBody>
+      </p:sp>
     </p:spTree>
     <p:extLst>
       <p:ext uri="{BB962C8B-B14F-4D97-AF65-F5344CB8AC3E}">
